--- a/resources/template/ppt_template0.pptx
+++ b/resources/template/ppt_template0.pptx
@@ -4058,179 +4058,59 @@
       </p:sp>
       <p:sp>
         <p:nvSpPr>
-          <p:cNvPr id="5" name="标题 1"/>
+          <p:cNvPr id="5" name="内容占位符 4"/>
           <p:cNvSpPr>
             <a:spLocks noGrp="1"/>
           </p:cNvSpPr>
-          <p:nvPr/>
+          <p:nvPr>
+            <p:ph sz="half" idx="13"/>
+          </p:nvPr>
         </p:nvSpPr>
         <p:spPr>
           <a:xfrm>
-            <a:off x="609600" y="5372100"/>
-            <a:ext cx="10978515" cy="635000"/>
+            <a:off x="608965" y="5405120"/>
+            <a:ext cx="10979150" cy="663575"/>
           </a:xfrm>
-          <a:prstGeom prst="rect">
-            <a:avLst/>
-          </a:prstGeom>
-          <a:noFill/>
-          <a:ln>
-            <a:noFill/>
-          </a:ln>
         </p:spPr>
         <p:txBody>
-          <a:bodyPr vert="horz" wrap="square" lIns="91428" tIns="45714" rIns="91428" bIns="45714" numCol="1" anchor="ctr" anchorCtr="0" compatLnSpc="1"/>
+          <a:bodyPr/>
           <a:lstStyle>
-            <a:lvl1pPr algn="l" rtl="0" fontAlgn="base">
-              <a:spcBef>
-                <a:spcPct val="0"/>
-              </a:spcBef>
-              <a:spcAft>
-                <a:spcPct val="0"/>
-              </a:spcAft>
-              <a:defRPr sz="2400">
-                <a:solidFill>
-                  <a:schemeClr val="bg1"/>
-                </a:solidFill>
-                <a:latin typeface="+mj-lt"/>
-                <a:ea typeface="+mj-ea"/>
-                <a:cs typeface="+mj-cs"/>
-              </a:defRPr>
+            <a:lvl1pPr>
+              <a:defRPr sz="2800"/>
             </a:lvl1pPr>
-            <a:lvl2pPr algn="l" rtl="0" fontAlgn="base">
-              <a:spcBef>
-                <a:spcPct val="0"/>
-              </a:spcBef>
-              <a:spcAft>
-                <a:spcPct val="0"/>
-              </a:spcAft>
-              <a:defRPr sz="2400">
-                <a:solidFill>
-                  <a:schemeClr val="tx2"/>
-                </a:solidFill>
-                <a:latin typeface="Arial" panose="020B0604020202020204" pitchFamily="34" charset="0"/>
-                <a:ea typeface="微软雅黑" panose="020B0503020204020204" pitchFamily="34" charset="-122"/>
-              </a:defRPr>
+            <a:lvl2pPr marL="457200" indent="0">
+              <a:buNone/>
+              <a:defRPr sz="2400"/>
             </a:lvl2pPr>
-            <a:lvl3pPr algn="l" rtl="0" fontAlgn="base">
-              <a:spcBef>
-                <a:spcPct val="0"/>
-              </a:spcBef>
-              <a:spcAft>
-                <a:spcPct val="0"/>
-              </a:spcAft>
-              <a:defRPr sz="2400">
-                <a:solidFill>
-                  <a:schemeClr val="tx2"/>
-                </a:solidFill>
-                <a:latin typeface="Arial" panose="020B0604020202020204" pitchFamily="34" charset="0"/>
-                <a:ea typeface="微软雅黑" panose="020B0503020204020204" pitchFamily="34" charset="-122"/>
-              </a:defRPr>
+            <a:lvl3pPr>
+              <a:defRPr sz="2000"/>
             </a:lvl3pPr>
-            <a:lvl4pPr algn="l" rtl="0" fontAlgn="base">
-              <a:spcBef>
-                <a:spcPct val="0"/>
-              </a:spcBef>
-              <a:spcAft>
-                <a:spcPct val="0"/>
-              </a:spcAft>
-              <a:defRPr sz="2400">
-                <a:solidFill>
-                  <a:schemeClr val="tx2"/>
-                </a:solidFill>
-                <a:latin typeface="Arial" panose="020B0604020202020204" pitchFamily="34" charset="0"/>
-                <a:ea typeface="微软雅黑" panose="020B0503020204020204" pitchFamily="34" charset="-122"/>
-              </a:defRPr>
+            <a:lvl4pPr>
+              <a:defRPr sz="1700"/>
             </a:lvl4pPr>
-            <a:lvl5pPr algn="l" rtl="0" fontAlgn="base">
-              <a:spcBef>
-                <a:spcPct val="0"/>
-              </a:spcBef>
-              <a:spcAft>
-                <a:spcPct val="0"/>
-              </a:spcAft>
-              <a:defRPr sz="2400">
-                <a:solidFill>
-                  <a:schemeClr val="tx2"/>
-                </a:solidFill>
-                <a:latin typeface="Arial" panose="020B0604020202020204" pitchFamily="34" charset="0"/>
-                <a:ea typeface="微软雅黑" panose="020B0503020204020204" pitchFamily="34" charset="-122"/>
-              </a:defRPr>
+            <a:lvl5pPr>
+              <a:defRPr sz="1700"/>
             </a:lvl5pPr>
-            <a:lvl6pPr marL="457200" algn="l" rtl="0" fontAlgn="base">
-              <a:spcBef>
-                <a:spcPct val="0"/>
-              </a:spcBef>
-              <a:spcAft>
-                <a:spcPct val="0"/>
-              </a:spcAft>
-              <a:defRPr sz="2400">
-                <a:solidFill>
-                  <a:schemeClr val="tx2"/>
-                </a:solidFill>
-                <a:latin typeface="Arial" panose="020B0604020202020204" pitchFamily="34" charset="0"/>
-                <a:ea typeface="微软雅黑" panose="020B0503020204020204" pitchFamily="34" charset="-122"/>
-              </a:defRPr>
+            <a:lvl6pPr>
+              <a:defRPr sz="1700"/>
             </a:lvl6pPr>
-            <a:lvl7pPr marL="914400" algn="l" rtl="0" fontAlgn="base">
-              <a:spcBef>
-                <a:spcPct val="0"/>
-              </a:spcBef>
-              <a:spcAft>
-                <a:spcPct val="0"/>
-              </a:spcAft>
-              <a:defRPr sz="2400">
-                <a:solidFill>
-                  <a:schemeClr val="tx2"/>
-                </a:solidFill>
-                <a:latin typeface="Arial" panose="020B0604020202020204" pitchFamily="34" charset="0"/>
-                <a:ea typeface="微软雅黑" panose="020B0503020204020204" pitchFamily="34" charset="-122"/>
-              </a:defRPr>
+            <a:lvl7pPr>
+              <a:defRPr sz="1700"/>
             </a:lvl7pPr>
-            <a:lvl8pPr marL="1371600" algn="l" rtl="0" fontAlgn="base">
-              <a:spcBef>
-                <a:spcPct val="0"/>
-              </a:spcBef>
-              <a:spcAft>
-                <a:spcPct val="0"/>
-              </a:spcAft>
-              <a:defRPr sz="2400">
-                <a:solidFill>
-                  <a:schemeClr val="tx2"/>
-                </a:solidFill>
-                <a:latin typeface="Arial" panose="020B0604020202020204" pitchFamily="34" charset="0"/>
-                <a:ea typeface="微软雅黑" panose="020B0503020204020204" pitchFamily="34" charset="-122"/>
-              </a:defRPr>
+            <a:lvl8pPr>
+              <a:defRPr sz="1700"/>
             </a:lvl8pPr>
-            <a:lvl9pPr marL="1828800" algn="l" rtl="0" fontAlgn="base">
-              <a:spcBef>
-                <a:spcPct val="0"/>
-              </a:spcBef>
-              <a:spcAft>
-                <a:spcPct val="0"/>
-              </a:spcAft>
-              <a:defRPr sz="2400">
-                <a:solidFill>
-                  <a:schemeClr val="tx2"/>
-                </a:solidFill>
-                <a:latin typeface="Arial" panose="020B0604020202020204" pitchFamily="34" charset="0"/>
-                <a:ea typeface="微软雅黑" panose="020B0503020204020204" pitchFamily="34" charset="-122"/>
-              </a:defRPr>
+            <a:lvl9pPr>
+              <a:defRPr sz="1700"/>
             </a:lvl9pPr>
           </a:lstStyle>
           <a:p>
+            <a:pPr lvl="0"/>
             <a:r>
-              <a:rPr lang="zh-CN" altLang="en-US" b="1" smtClean="0">
-                <a:solidFill>
-                  <a:schemeClr val="tx2"/>
-                </a:solidFill>
-              </a:rPr>
-              <a:t>总结：</a:t>
+              <a:rPr lang="zh-CN" altLang="en-US" smtClean="0"/>
+              <a:t>单击此处编辑母版文本样式</a:t>
             </a:r>
-            <a:endParaRPr lang="zh-CN" altLang="en-US" b="1" smtClean="0">
-              <a:solidFill>
-                <a:schemeClr val="tx2"/>
-              </a:solidFill>
-            </a:endParaRPr>
+            <a:endParaRPr lang="zh-CN" altLang="en-US"/>
           </a:p>
         </p:txBody>
       </p:sp>
@@ -4369,8 +4249,8 @@
         </p:nvSpPr>
         <p:spPr>
           <a:xfrm>
-            <a:off x="609601" y="2174875"/>
-            <a:ext cx="5389563" cy="3951288"/>
+            <a:off x="609600" y="2174875"/>
+            <a:ext cx="5389880" cy="3191510"/>
           </a:xfrm>
         </p:spPr>
         <p:txBody>
@@ -4524,8 +4404,8 @@
         </p:nvSpPr>
         <p:spPr>
           <a:xfrm>
-            <a:off x="6196014" y="2174875"/>
-            <a:ext cx="5391151" cy="3951288"/>
+            <a:off x="6196330" y="2175510"/>
+            <a:ext cx="5391150" cy="3190875"/>
           </a:xfrm>
         </p:spPr>
         <p:txBody>
@@ -4598,6 +4478,72 @@
               <a:t>第五级</a:t>
             </a:r>
             <a:endParaRPr lang="zh-CN" altLang="en-US"/>
+          </a:p>
+        </p:txBody>
+      </p:sp>
+      <p:sp>
+        <p:nvSpPr>
+          <p:cNvPr id="7" name="文本占位符 6"/>
+          <p:cNvSpPr>
+            <a:spLocks noGrp="1"/>
+          </p:cNvSpPr>
+          <p:nvPr>
+            <p:ph type="body" idx="13"/>
+          </p:nvPr>
+        </p:nvSpPr>
+        <p:spPr>
+          <a:xfrm>
+            <a:off x="610235" y="5565140"/>
+            <a:ext cx="10976610" cy="640080"/>
+          </a:xfrm>
+        </p:spPr>
+        <p:txBody>
+          <a:bodyPr anchor="b"/>
+          <a:lstStyle>
+            <a:lvl1pPr marL="0" indent="0">
+              <a:buNone/>
+              <a:defRPr sz="2400" b="1"/>
+            </a:lvl1pPr>
+            <a:lvl2pPr marL="457200" indent="0">
+              <a:buNone/>
+              <a:defRPr sz="2000" b="1"/>
+            </a:lvl2pPr>
+            <a:lvl3pPr marL="914400" indent="0">
+              <a:buNone/>
+              <a:defRPr sz="1700" b="1"/>
+            </a:lvl3pPr>
+            <a:lvl4pPr marL="1371600" indent="0">
+              <a:buNone/>
+              <a:defRPr sz="1600" b="1"/>
+            </a:lvl4pPr>
+            <a:lvl5pPr marL="1828800" indent="0">
+              <a:buNone/>
+              <a:defRPr sz="1600" b="1"/>
+            </a:lvl5pPr>
+            <a:lvl6pPr marL="2286000" indent="0">
+              <a:buNone/>
+              <a:defRPr sz="1600" b="1"/>
+            </a:lvl6pPr>
+            <a:lvl7pPr marL="2742565" indent="0">
+              <a:buNone/>
+              <a:defRPr sz="1600" b="1"/>
+            </a:lvl7pPr>
+            <a:lvl8pPr marL="3199765" indent="0">
+              <a:buNone/>
+              <a:defRPr sz="1600" b="1"/>
+            </a:lvl8pPr>
+            <a:lvl9pPr marL="3656965" indent="0">
+              <a:buNone/>
+              <a:defRPr sz="1600" b="1"/>
+            </a:lvl9pPr>
+          </a:lstStyle>
+          <a:p>
+            <a:pPr lvl="0"/>
+            <a:r>
+              <a:rPr lang="zh-CN" altLang="en-US" smtClean="0"/>
+              <a:t>单击此处编辑母版文本样式</a:t>
+            </a:r>
+            <a:endParaRPr lang="zh-CN" altLang="en-US" smtClean="0"/>
           </a:p>
         </p:txBody>
       </p:sp>
